--- a/TheHousingCrisis_in_Austin_final.pptx
+++ b/TheHousingCrisis_in_Austin_final.pptx
@@ -125,6 +125,10 @@
 </p:presentation>
 </file>
 
+<file path=ppt/revisionInfo.xml><?xml version="1.0" encoding="utf-8"?>
+<p1510:revInfo xmlns:a="http://schemas.openxmlformats.org/drawingml/2006/main" xmlns:r="http://schemas.openxmlformats.org/officeDocument/2006/relationships" xmlns:p1510="http://schemas.microsoft.com/office/powerpoint/2015/10/main"/>
+</file>
+
 <file path=ppt/notesMasters/notesMaster1.xml><?xml version="1.0" encoding="utf-8"?>
 <p:notesMaster xmlns:a="http://schemas.openxmlformats.org/drawingml/2006/main" xmlns:r="http://schemas.openxmlformats.org/officeDocument/2006/relationships" xmlns:p="http://schemas.openxmlformats.org/presentationml/2006/main">
   <p:cSld>
@@ -896,10 +900,75 @@
             </a:pPr>
             <a:r>
               <a:rPr lang="en-US" dirty="0"/>
-              <a:t>With the Austin market growing as more and more employers are moving here and scaling, it seems like houses are becoming less affordable. However, average wages have also increased over time. So…</a:t>
-            </a:r>
-          </a:p>
-          <a:p>
+              <a:t>We wanted to compare per capita income vs. housing costs because we wanted to figure out if…</a:t>
+            </a:r>
+          </a:p>
+          <a:p>
+            <a:pPr marL="0" marR="0" lvl="0" indent="0" algn="l" defTabSz="914400" rtl="0" eaLnBrk="1" fontAlgn="auto" latinLnBrk="0" hangingPunct="1">
+              <a:lnSpc>
+                <a:spcPct val="100000"/>
+              </a:lnSpc>
+              <a:spcBef>
+                <a:spcPts val="0"/>
+              </a:spcBef>
+              <a:spcAft>
+                <a:spcPts val="0"/>
+              </a:spcAft>
+              <a:buClrTx/>
+              <a:buSzTx/>
+              <a:buFontTx/>
+              <a:buNone/>
+              <a:tabLst/>
+              <a:defRPr/>
+            </a:pPr>
+            <a:endParaRPr lang="en-US" dirty="0"/>
+          </a:p>
+          <a:p>
+            <a:pPr marL="0" marR="0" lvl="0" indent="0" algn="l" defTabSz="914400" rtl="0" eaLnBrk="1" fontAlgn="auto" latinLnBrk="0" hangingPunct="1">
+              <a:lnSpc>
+                <a:spcPct val="100000"/>
+              </a:lnSpc>
+              <a:spcBef>
+                <a:spcPts val="0"/>
+              </a:spcBef>
+              <a:spcAft>
+                <a:spcPts val="0"/>
+              </a:spcAft>
+              <a:buClrTx/>
+              <a:buSzTx/>
+              <a:buFontTx/>
+              <a:buNone/>
+              <a:tabLst/>
+              <a:defRPr/>
+            </a:pPr>
+            <a:r>
+              <a:rPr lang="en-US" dirty="0"/>
+              <a:t>What that tells us is as housing costs increase, average wage tends to increase as well</a:t>
+            </a:r>
+            <a:endParaRPr lang="en-US" dirty="0">
+              <a:solidFill>
+                <a:srgbClr val="FF0000"/>
+              </a:solidFill>
+            </a:endParaRPr>
+          </a:p>
+          <a:p>
+            <a:pPr marL="0" marR="0" lvl="0" indent="0" algn="l" defTabSz="914400" rtl="0" eaLnBrk="1" fontAlgn="auto" latinLnBrk="0" hangingPunct="1">
+              <a:lnSpc>
+                <a:spcPct val="100000"/>
+              </a:lnSpc>
+              <a:spcBef>
+                <a:spcPts val="0"/>
+              </a:spcBef>
+              <a:spcAft>
+                <a:spcPts val="0"/>
+              </a:spcAft>
+              <a:buClrTx/>
+              <a:buSzTx/>
+              <a:buFontTx/>
+              <a:buNone/>
+              <a:tabLst/>
+              <a:defRPr/>
+            </a:pPr>
             <a:endParaRPr lang="en-US" dirty="0"/>
           </a:p>
         </p:txBody>
@@ -1007,63 +1076,6 @@
               <a:rPr lang="en-US" dirty="0" err="1"/>
               <a:t>dataframes</a:t>
             </a:r>
-            <a:endParaRPr lang="en-US" dirty="0"/>
-          </a:p>
-          <a:p>
-            <a:pPr marL="0" marR="0" lvl="0" indent="0" algn="l" defTabSz="914400" rtl="0" eaLnBrk="1" fontAlgn="auto" latinLnBrk="0" hangingPunct="1">
-              <a:lnSpc>
-                <a:spcPct val="100000"/>
-              </a:lnSpc>
-              <a:spcBef>
-                <a:spcPts val="0"/>
-              </a:spcBef>
-              <a:spcAft>
-                <a:spcPts val="0"/>
-              </a:spcAft>
-              <a:buClrTx/>
-              <a:buSzTx/>
-              <a:buFontTx/>
-              <a:buNone/>
-              <a:tabLst/>
-              <a:defRPr/>
-            </a:pPr>
-            <a:r>
-              <a:rPr lang="en-US" dirty="0"/>
-              <a:t>            We encountered some issues with the formatting of the csv outputs, here is an example:</a:t>
-            </a:r>
-          </a:p>
-          <a:p>
-            <a:pPr marL="0" marR="0" lvl="0" indent="0" algn="l" defTabSz="914400" rtl="0" eaLnBrk="1" fontAlgn="auto" latinLnBrk="0" hangingPunct="1">
-              <a:lnSpc>
-                <a:spcPct val="100000"/>
-              </a:lnSpc>
-              <a:spcBef>
-                <a:spcPts val="0"/>
-              </a:spcBef>
-              <a:spcAft>
-                <a:spcPts val="0"/>
-              </a:spcAft>
-              <a:buClrTx/>
-              <a:buSzTx/>
-              <a:buFontTx/>
-              <a:buNone/>
-              <a:tabLst/>
-              <a:defRPr/>
-            </a:pPr>
-            <a:r>
-              <a:rPr lang="en-US" dirty="0"/>
-              <a:t>            We were able to use python to clean this data, in this case the </a:t>
-            </a:r>
-            <a:r>
-              <a:rPr lang="en-US" dirty="0" err="1"/>
-              <a:t>sep</a:t>
-            </a:r>
-            <a:r>
-              <a:rPr lang="en-US" dirty="0"/>
-              <a:t>=“\t” fixes the above allowing us to read the csv properly</a:t>
-            </a:r>
-          </a:p>
-          <a:p>
             <a:endParaRPr lang="en-US" dirty="0"/>
           </a:p>
         </p:txBody>
@@ -9782,7 +9794,7 @@
           <a:lstStyle/>
           <a:p>
             <a:r>
-              <a:rPr lang="en-US" dirty="0"/>
+              <a:rPr lang="en-US" sz="2000" dirty="0"/>
               <a:t>Have houses become less affordable despite rising wages?</a:t>
             </a:r>
           </a:p>
@@ -9804,7 +9816,7 @@
         </p:nvSpPr>
         <p:spPr>
           <a:xfrm>
-            <a:off x="549239" y="5158910"/>
+            <a:off x="549239" y="5153055"/>
             <a:ext cx="9254328" cy="1485086"/>
           </a:xfrm>
           <a:prstGeom prst="rect">
@@ -10044,28 +10056,17 @@
           </a:lstStyle>
           <a:p>
             <a:r>
-              <a:rPr lang="en-US" dirty="0"/>
+              <a:rPr lang="en-US" sz="2000" dirty="0"/>
               <a:t>Using the </a:t>
             </a:r>
             <a:r>
-              <a:rPr lang="en-US" dirty="0" err="1"/>
+              <a:rPr lang="en-US" sz="2000" dirty="0" err="1"/>
               <a:t>pearson</a:t>
             </a:r>
             <a:r>
-              <a:rPr lang="en-US" dirty="0"/>
+              <a:rPr lang="en-US" sz="2000" dirty="0"/>
               <a:t> coefficient comparing average house cost to average income, we get a coefficient 0.9255198 which indicates a strong correlation</a:t>
             </a:r>
-          </a:p>
-          <a:p>
-            <a:r>
-              <a:rPr lang="en-US" dirty="0"/>
-              <a:t>What this means is that house costs have increased relatively in-line with wage growth</a:t>
-            </a:r>
-            <a:endParaRPr lang="en-US" dirty="0">
-              <a:solidFill>
-                <a:srgbClr val="FF0000"/>
-              </a:solidFill>
-            </a:endParaRPr>
           </a:p>
         </p:txBody>
       </p:sp>
